--- a/Компилятор.pptx
+++ b/Компилятор.pptx
@@ -7,8 +7,8 @@
   <p:sldIdLst>
     <p:sldId id="256" r:id="rId2"/>
     <p:sldId id="257" r:id="rId3"/>
-    <p:sldId id="259" r:id="rId4"/>
-    <p:sldId id="258" r:id="rId5"/>
+    <p:sldId id="258" r:id="rId4"/>
+    <p:sldId id="259" r:id="rId5"/>
   </p:sldIdLst>
   <p:sldSz cx="9144000" cy="6858000" type="screen4x3"/>
   <p:notesSz cx="6858000" cy="9144000"/>
@@ -3205,201 +3205,33 @@
           <a:bodyPr/>
           <a:lstStyle/>
           <a:p>
-            <a:r>
-              <a:rPr lang="en-US" dirty="0" smtClean="0"/>
-              <a:t>MSIL</a:t>
-            </a:r>
-            <a:endParaRPr lang="ru-RU" dirty="0"/>
-          </a:p>
-        </p:txBody>
-      </p:sp>
-      <p:sp>
-        <p:nvSpPr>
-          <p:cNvPr id="3" name="Содержимое 2"/>
-          <p:cNvSpPr>
-            <a:spLocks noGrp="1"/>
-          </p:cNvSpPr>
+            <a:endParaRPr lang="ru-RU"/>
+          </a:p>
+        </p:txBody>
+      </p:sp>
+      <p:pic>
+        <p:nvPicPr>
+          <p:cNvPr id="4" name="Содержимое 3" descr="new(1)(1).png"/>
+          <p:cNvPicPr>
+            <a:picLocks noGrp="1" noChangeAspect="1"/>
+          </p:cNvPicPr>
           <p:nvPr>
             <p:ph idx="1"/>
           </p:nvPr>
-        </p:nvSpPr>
-        <p:spPr/>
-        <p:txBody>
-          <a:bodyPr>
-            <a:normAutofit fontScale="70000" lnSpcReduction="20000"/>
-          </a:bodyPr>
-          <a:lstStyle/>
-          <a:p>
-            <a:r>
-              <a:rPr lang="en-US" dirty="0" smtClean="0"/>
-              <a:t>(</a:t>
-            </a:r>
-            <a:r>
-              <a:rPr lang="ru-RU" dirty="0" smtClean="0"/>
-              <a:t>он же </a:t>
-            </a:r>
-            <a:r>
-              <a:rPr lang="en-US" dirty="0" smtClean="0"/>
-              <a:t>CIL</a:t>
-            </a:r>
-            <a:r>
-              <a:rPr lang="ru-RU" dirty="0" smtClean="0"/>
-              <a:t>) «высокоуровневый ассемблер» виртуальной машины .</a:t>
-            </a:r>
-            <a:r>
-              <a:rPr lang="en-US" dirty="0" smtClean="0"/>
-              <a:t>NET. </a:t>
-            </a:r>
-            <a:r>
-              <a:rPr lang="ru-RU" dirty="0" smtClean="0"/>
-              <a:t>Промежуточный язык, разработанный фирмой «</a:t>
-            </a:r>
-            <a:r>
-              <a:rPr lang="en-US" dirty="0" smtClean="0"/>
-              <a:t>Microsoft» </a:t>
-            </a:r>
-            <a:r>
-              <a:rPr lang="ru-RU" dirty="0" smtClean="0"/>
-              <a:t>для платформы .</a:t>
-            </a:r>
-            <a:r>
-              <a:rPr lang="en-US" dirty="0" smtClean="0"/>
-              <a:t>NET Framework. JIT-</a:t>
-            </a:r>
-            <a:r>
-              <a:rPr lang="ru-RU" dirty="0" smtClean="0"/>
-              <a:t>компилятор</a:t>
-            </a:r>
-            <a:r>
-              <a:rPr lang="en-US" dirty="0" smtClean="0"/>
-              <a:t> </a:t>
-            </a:r>
-            <a:r>
-              <a:rPr lang="ru-RU" dirty="0" smtClean="0"/>
-              <a:t>является частью </a:t>
-            </a:r>
-            <a:r>
-              <a:rPr lang="en-US" dirty="0" smtClean="0"/>
-              <a:t>CLR (</a:t>
-            </a:r>
-            <a:r>
-              <a:rPr lang="en-US" b="1" i="1" dirty="0" smtClean="0"/>
-              <a:t>c</a:t>
-            </a:r>
-            <a:r>
-              <a:rPr lang="en-US" i="1" dirty="0" smtClean="0"/>
-              <a:t>ommon </a:t>
-            </a:r>
-            <a:r>
-              <a:rPr lang="en-US" b="1" i="1" dirty="0" smtClean="0"/>
-              <a:t>l</a:t>
-            </a:r>
-            <a:r>
-              <a:rPr lang="en-US" i="1" dirty="0" smtClean="0"/>
-              <a:t>anguage </a:t>
-            </a:r>
-            <a:r>
-              <a:rPr lang="en-US" b="1" i="1" dirty="0" smtClean="0"/>
-              <a:t>r</a:t>
-            </a:r>
-            <a:r>
-              <a:rPr lang="en-US" i="1" dirty="0" smtClean="0"/>
-              <a:t>untime</a:t>
-            </a:r>
-            <a:r>
-              <a:rPr lang="en-US" dirty="0" smtClean="0"/>
-              <a:t>) — </a:t>
-            </a:r>
-            <a:r>
-              <a:rPr lang="ru-RU" dirty="0" smtClean="0"/>
-              <a:t>общей среды выполнения программ, написанных на языках .</a:t>
-            </a:r>
-            <a:r>
-              <a:rPr lang="en-US" dirty="0" smtClean="0"/>
-              <a:t>NET</a:t>
-            </a:r>
-          </a:p>
-          <a:p>
-            <a:r>
-              <a:rPr lang="ru-RU" dirty="0" smtClean="0"/>
-              <a:t>Все компиляторы, поддерживающие платформу .</a:t>
-            </a:r>
-            <a:r>
-              <a:rPr lang="en-US" dirty="0" smtClean="0"/>
-              <a:t>NET, </a:t>
-            </a:r>
-            <a:r>
-              <a:rPr lang="ru-RU" dirty="0" smtClean="0"/>
-              <a:t>должны транслировать код с языков высокого уровня платформы .</a:t>
-            </a:r>
-            <a:r>
-              <a:rPr lang="en-US" dirty="0" smtClean="0"/>
-              <a:t>NET </a:t>
-            </a:r>
-            <a:r>
-              <a:rPr lang="ru-RU" dirty="0" smtClean="0"/>
-              <a:t>на язык </a:t>
-            </a:r>
-            <a:r>
-              <a:rPr lang="en-US" dirty="0" smtClean="0"/>
-              <a:t>CIL. </a:t>
-            </a:r>
-            <a:r>
-              <a:rPr lang="ru-RU" dirty="0" smtClean="0"/>
-              <a:t>В частности, код на языке </a:t>
-            </a:r>
-            <a:r>
-              <a:rPr lang="en-US" dirty="0" smtClean="0"/>
-              <a:t>CIL </a:t>
-            </a:r>
-            <a:r>
-              <a:rPr lang="ru-RU" dirty="0" smtClean="0"/>
-              <a:t>генерируют все компиляторы .</a:t>
-            </a:r>
-            <a:r>
-              <a:rPr lang="en-US" dirty="0" smtClean="0"/>
-              <a:t>NET </a:t>
-            </a:r>
-            <a:r>
-              <a:rPr lang="ru-RU" dirty="0" smtClean="0"/>
-              <a:t>фирмы «</a:t>
-            </a:r>
-            <a:r>
-              <a:rPr lang="en-US" dirty="0" smtClean="0"/>
-              <a:t>Microsoft», </a:t>
-            </a:r>
-            <a:r>
-              <a:rPr lang="ru-RU" dirty="0" smtClean="0"/>
-              <a:t>входящие в среду разработки «</a:t>
-            </a:r>
-            <a:r>
-              <a:rPr lang="en-US" dirty="0" smtClean="0"/>
-              <a:t>Microsoft Visual Studio»</a:t>
-            </a:r>
-          </a:p>
-          <a:p>
-            <a:r>
-              <a:rPr lang="ru-RU" dirty="0" smtClean="0"/>
-              <a:t>По синтаксису и мнемонике язык </a:t>
-            </a:r>
-            <a:r>
-              <a:rPr lang="en-US" dirty="0" smtClean="0"/>
-              <a:t>CIL </a:t>
-            </a:r>
-            <a:r>
-              <a:rPr lang="ru-RU" dirty="0" smtClean="0"/>
-              <a:t>напоминает язык ассемблера. Его можно рассматривать как ассемблер виртуальной машины .</a:t>
-            </a:r>
-            <a:r>
-              <a:rPr lang="en-US" dirty="0" smtClean="0"/>
-              <a:t>NET</a:t>
-            </a:r>
-          </a:p>
-          <a:p>
-            <a:endParaRPr lang="ru-RU" dirty="0"/>
-          </a:p>
-        </p:txBody>
-      </p:sp>
+        </p:nvPicPr>
+        <p:blipFill>
+          <a:blip r:embed="rId2"/>
+          <a:stretch>
+            <a:fillRect/>
+          </a:stretch>
+        </p:blipFill>
+        <p:spPr>
+          <a:xfrm>
+            <a:off x="1674614" y="0"/>
+            <a:ext cx="5183402" cy="6911203"/>
+          </a:xfrm>
+        </p:spPr>
+      </p:pic>
     </p:spTree>
   </p:cSld>
   <p:clrMapOvr>
@@ -3440,33 +3272,201 @@
           <a:bodyPr/>
           <a:lstStyle/>
           <a:p>
-            <a:endParaRPr lang="ru-RU"/>
-          </a:p>
-        </p:txBody>
-      </p:sp>
-      <p:pic>
-        <p:nvPicPr>
-          <p:cNvPr id="4" name="Содержимое 3" descr="new(1)(1).png"/>
-          <p:cNvPicPr>
-            <a:picLocks noGrp="1" noChangeAspect="1"/>
-          </p:cNvPicPr>
+            <a:r>
+              <a:rPr lang="en-US" dirty="0" smtClean="0"/>
+              <a:t>MSIL</a:t>
+            </a:r>
+            <a:endParaRPr lang="ru-RU" dirty="0"/>
+          </a:p>
+        </p:txBody>
+      </p:sp>
+      <p:sp>
+        <p:nvSpPr>
+          <p:cNvPr id="3" name="Содержимое 2"/>
+          <p:cNvSpPr>
+            <a:spLocks noGrp="1"/>
+          </p:cNvSpPr>
           <p:nvPr>
             <p:ph idx="1"/>
           </p:nvPr>
-        </p:nvPicPr>
-        <p:blipFill>
-          <a:blip r:embed="rId2"/>
-          <a:stretch>
-            <a:fillRect/>
-          </a:stretch>
-        </p:blipFill>
-        <p:spPr>
-          <a:xfrm>
-            <a:off x="1674614" y="0"/>
-            <a:ext cx="5183402" cy="6911203"/>
-          </a:xfrm>
-        </p:spPr>
-      </p:pic>
+        </p:nvSpPr>
+        <p:spPr/>
+        <p:txBody>
+          <a:bodyPr>
+            <a:normAutofit fontScale="70000" lnSpcReduction="20000"/>
+          </a:bodyPr>
+          <a:lstStyle/>
+          <a:p>
+            <a:r>
+              <a:rPr lang="en-US" dirty="0" smtClean="0"/>
+              <a:t>(</a:t>
+            </a:r>
+            <a:r>
+              <a:rPr lang="ru-RU" dirty="0" smtClean="0"/>
+              <a:t>он же </a:t>
+            </a:r>
+            <a:r>
+              <a:rPr lang="en-US" dirty="0" smtClean="0"/>
+              <a:t>CIL</a:t>
+            </a:r>
+            <a:r>
+              <a:rPr lang="ru-RU" dirty="0" smtClean="0"/>
+              <a:t>) «высокоуровневый ассемблер» виртуальной машины .</a:t>
+            </a:r>
+            <a:r>
+              <a:rPr lang="en-US" dirty="0" smtClean="0"/>
+              <a:t>NET. </a:t>
+            </a:r>
+            <a:r>
+              <a:rPr lang="ru-RU" dirty="0" smtClean="0"/>
+              <a:t>Промежуточный язык, разработанный фирмой «</a:t>
+            </a:r>
+            <a:r>
+              <a:rPr lang="en-US" dirty="0" smtClean="0"/>
+              <a:t>Microsoft» </a:t>
+            </a:r>
+            <a:r>
+              <a:rPr lang="ru-RU" dirty="0" smtClean="0"/>
+              <a:t>для платформы .</a:t>
+            </a:r>
+            <a:r>
+              <a:rPr lang="en-US" dirty="0" smtClean="0"/>
+              <a:t>NET Framework. JIT-</a:t>
+            </a:r>
+            <a:r>
+              <a:rPr lang="ru-RU" dirty="0" smtClean="0"/>
+              <a:t>компилятор</a:t>
+            </a:r>
+            <a:r>
+              <a:rPr lang="en-US" dirty="0" smtClean="0"/>
+              <a:t> </a:t>
+            </a:r>
+            <a:r>
+              <a:rPr lang="ru-RU" dirty="0" smtClean="0"/>
+              <a:t>является частью </a:t>
+            </a:r>
+            <a:r>
+              <a:rPr lang="en-US" dirty="0" smtClean="0"/>
+              <a:t>CLR (</a:t>
+            </a:r>
+            <a:r>
+              <a:rPr lang="en-US" b="1" i="1" dirty="0" smtClean="0"/>
+              <a:t>c</a:t>
+            </a:r>
+            <a:r>
+              <a:rPr lang="en-US" i="1" dirty="0" smtClean="0"/>
+              <a:t>ommon </a:t>
+            </a:r>
+            <a:r>
+              <a:rPr lang="en-US" b="1" i="1" dirty="0" smtClean="0"/>
+              <a:t>l</a:t>
+            </a:r>
+            <a:r>
+              <a:rPr lang="en-US" i="1" dirty="0" smtClean="0"/>
+              <a:t>anguage </a:t>
+            </a:r>
+            <a:r>
+              <a:rPr lang="en-US" b="1" i="1" dirty="0" smtClean="0"/>
+              <a:t>r</a:t>
+            </a:r>
+            <a:r>
+              <a:rPr lang="en-US" i="1" dirty="0" smtClean="0"/>
+              <a:t>untime</a:t>
+            </a:r>
+            <a:r>
+              <a:rPr lang="en-US" dirty="0" smtClean="0"/>
+              <a:t>) — </a:t>
+            </a:r>
+            <a:r>
+              <a:rPr lang="ru-RU" dirty="0" smtClean="0"/>
+              <a:t>общей среды выполнения программ, написанных на языках .</a:t>
+            </a:r>
+            <a:r>
+              <a:rPr lang="en-US" dirty="0" smtClean="0"/>
+              <a:t>NET</a:t>
+            </a:r>
+          </a:p>
+          <a:p>
+            <a:r>
+              <a:rPr lang="ru-RU" dirty="0" smtClean="0"/>
+              <a:t>Все компиляторы, поддерживающие платформу .</a:t>
+            </a:r>
+            <a:r>
+              <a:rPr lang="en-US" dirty="0" smtClean="0"/>
+              <a:t>NET, </a:t>
+            </a:r>
+            <a:r>
+              <a:rPr lang="ru-RU" dirty="0" smtClean="0"/>
+              <a:t>должны транслировать код с языков высокого уровня платформы .</a:t>
+            </a:r>
+            <a:r>
+              <a:rPr lang="en-US" dirty="0" smtClean="0"/>
+              <a:t>NET </a:t>
+            </a:r>
+            <a:r>
+              <a:rPr lang="ru-RU" dirty="0" smtClean="0"/>
+              <a:t>на язык </a:t>
+            </a:r>
+            <a:r>
+              <a:rPr lang="en-US" dirty="0" smtClean="0"/>
+              <a:t>CIL. </a:t>
+            </a:r>
+            <a:r>
+              <a:rPr lang="ru-RU" dirty="0" smtClean="0"/>
+              <a:t>В частности, код на языке </a:t>
+            </a:r>
+            <a:r>
+              <a:rPr lang="en-US" dirty="0" smtClean="0"/>
+              <a:t>CIL </a:t>
+            </a:r>
+            <a:r>
+              <a:rPr lang="ru-RU" dirty="0" smtClean="0"/>
+              <a:t>генерируют все компиляторы .</a:t>
+            </a:r>
+            <a:r>
+              <a:rPr lang="en-US" dirty="0" smtClean="0"/>
+              <a:t>NET </a:t>
+            </a:r>
+            <a:r>
+              <a:rPr lang="ru-RU" dirty="0" smtClean="0"/>
+              <a:t>фирмы «</a:t>
+            </a:r>
+            <a:r>
+              <a:rPr lang="en-US" dirty="0" smtClean="0"/>
+              <a:t>Microsoft», </a:t>
+            </a:r>
+            <a:r>
+              <a:rPr lang="ru-RU" dirty="0" smtClean="0"/>
+              <a:t>входящие в среду разработки «</a:t>
+            </a:r>
+            <a:r>
+              <a:rPr lang="en-US" dirty="0" smtClean="0"/>
+              <a:t>Microsoft Visual Studio»</a:t>
+            </a:r>
+          </a:p>
+          <a:p>
+            <a:r>
+              <a:rPr lang="ru-RU" dirty="0" smtClean="0"/>
+              <a:t>По синтаксису и мнемонике язык </a:t>
+            </a:r>
+            <a:r>
+              <a:rPr lang="en-US" dirty="0" smtClean="0"/>
+              <a:t>CIL </a:t>
+            </a:r>
+            <a:r>
+              <a:rPr lang="ru-RU" dirty="0" smtClean="0"/>
+              <a:t>напоминает язык ассемблера. Его можно рассматривать как ассемблер виртуальной машины .</a:t>
+            </a:r>
+            <a:r>
+              <a:rPr lang="en-US" dirty="0" smtClean="0"/>
+              <a:t>NET</a:t>
+            </a:r>
+          </a:p>
+          <a:p>
+            <a:endParaRPr lang="ru-RU" dirty="0"/>
+          </a:p>
+        </p:txBody>
+      </p:sp>
     </p:spTree>
   </p:cSld>
   <p:clrMapOvr>
